--- a/play.pptx
+++ b/play.pptx
@@ -112,6 +112,11 @@
       </a:defRPr>
     </a:lvl9pPr>
   </p:defaultTextStyle>
+  <p:extLst>
+    <p:ext uri="{EFAFB233-063F-42B5-8137-9DF3F51BA10A}">
+      <p15:sldGuideLst xmlns:p15="http://schemas.microsoft.com/office/powerpoint/2012/main"/>
+    </p:ext>
+  </p:extLst>
 </p:presentation>
 </file>
 
@@ -339,7 +344,7 @@
           <a:p>
             <a:fld id="{EC3AF0CC-626B-4A1B-9653-7C7C4C95C868}" type="datetimeFigureOut">
               <a:rPr lang="en-US" smtClean="0"/>
-              <a:t>4/21/2020</a:t>
+              <a:t>4/22/2020</a:t>
             </a:fld>
             <a:endParaRPr lang="en-US"/>
           </a:p>
@@ -509,7 +514,7 @@
           <a:p>
             <a:fld id="{EC3AF0CC-626B-4A1B-9653-7C7C4C95C868}" type="datetimeFigureOut">
               <a:rPr lang="en-US" smtClean="0"/>
-              <a:t>4/21/2020</a:t>
+              <a:t>4/22/2020</a:t>
             </a:fld>
             <a:endParaRPr lang="en-US"/>
           </a:p>
@@ -689,7 +694,7 @@
           <a:p>
             <a:fld id="{EC3AF0CC-626B-4A1B-9653-7C7C4C95C868}" type="datetimeFigureOut">
               <a:rPr lang="en-US" smtClean="0"/>
-              <a:t>4/21/2020</a:t>
+              <a:t>4/22/2020</a:t>
             </a:fld>
             <a:endParaRPr lang="en-US"/>
           </a:p>
@@ -859,7 +864,7 @@
           <a:p>
             <a:fld id="{EC3AF0CC-626B-4A1B-9653-7C7C4C95C868}" type="datetimeFigureOut">
               <a:rPr lang="en-US" smtClean="0"/>
-              <a:t>4/21/2020</a:t>
+              <a:t>4/22/2020</a:t>
             </a:fld>
             <a:endParaRPr lang="en-US"/>
           </a:p>
@@ -1117,7 +1122,7 @@
           <a:p>
             <a:fld id="{EC3AF0CC-626B-4A1B-9653-7C7C4C95C868}" type="datetimeFigureOut">
               <a:rPr lang="en-US" smtClean="0"/>
-              <a:t>4/21/2020</a:t>
+              <a:t>4/22/2020</a:t>
             </a:fld>
             <a:endParaRPr lang="en-US"/>
           </a:p>
@@ -1405,7 +1410,7 @@
           <a:p>
             <a:fld id="{EC3AF0CC-626B-4A1B-9653-7C7C4C95C868}" type="datetimeFigureOut">
               <a:rPr lang="en-US" smtClean="0"/>
-              <a:t>4/21/2020</a:t>
+              <a:t>4/22/2020</a:t>
             </a:fld>
             <a:endParaRPr lang="en-US"/>
           </a:p>
@@ -1847,7 +1852,7 @@
           <a:p>
             <a:fld id="{EC3AF0CC-626B-4A1B-9653-7C7C4C95C868}" type="datetimeFigureOut">
               <a:rPr lang="en-US" smtClean="0"/>
-              <a:t>4/21/2020</a:t>
+              <a:t>4/22/2020</a:t>
             </a:fld>
             <a:endParaRPr lang="en-US"/>
           </a:p>
@@ -1965,7 +1970,7 @@
           <a:p>
             <a:fld id="{EC3AF0CC-626B-4A1B-9653-7C7C4C95C868}" type="datetimeFigureOut">
               <a:rPr lang="en-US" smtClean="0"/>
-              <a:t>4/21/2020</a:t>
+              <a:t>4/22/2020</a:t>
             </a:fld>
             <a:endParaRPr lang="en-US"/>
           </a:p>
@@ -2060,7 +2065,7 @@
           <a:p>
             <a:fld id="{EC3AF0CC-626B-4A1B-9653-7C7C4C95C868}" type="datetimeFigureOut">
               <a:rPr lang="en-US" smtClean="0"/>
-              <a:t>4/21/2020</a:t>
+              <a:t>4/22/2020</a:t>
             </a:fld>
             <a:endParaRPr lang="en-US"/>
           </a:p>
@@ -2348,7 +2353,7 @@
           <a:p>
             <a:fld id="{EC3AF0CC-626B-4A1B-9653-7C7C4C95C868}" type="datetimeFigureOut">
               <a:rPr lang="en-US" smtClean="0"/>
-              <a:t>4/21/2020</a:t>
+              <a:t>4/22/2020</a:t>
             </a:fld>
             <a:endParaRPr lang="en-US"/>
           </a:p>
@@ -2621,7 +2626,7 @@
           <a:p>
             <a:fld id="{EC3AF0CC-626B-4A1B-9653-7C7C4C95C868}" type="datetimeFigureOut">
               <a:rPr lang="en-US" smtClean="0"/>
-              <a:t>4/21/2020</a:t>
+              <a:t>4/22/2020</a:t>
             </a:fld>
             <a:endParaRPr lang="en-US"/>
           </a:p>
@@ -2918,7 +2923,7 @@
           <a:p>
             <a:fld id="{EC3AF0CC-626B-4A1B-9653-7C7C4C95C868}" type="datetimeFigureOut">
               <a:rPr lang="en-US" smtClean="0"/>
-              <a:t>4/21/2020</a:t>
+              <a:t>4/22/2020</a:t>
             </a:fld>
             <a:endParaRPr lang="en-US"/>
           </a:p>
@@ -3433,7 +3438,7 @@
         </p:blipFill>
         <p:spPr>
           <a:xfrm>
-            <a:off x="9343375" y="832476"/>
+            <a:off x="9406427" y="1007782"/>
             <a:ext cx="1047321" cy="1047321"/>
           </a:xfrm>
           <a:prstGeom prst="rect">
@@ -3504,7 +3509,7 @@
         </p:blipFill>
         <p:spPr>
           <a:xfrm>
-            <a:off x="11099159" y="851320"/>
+            <a:off x="10947798" y="933660"/>
             <a:ext cx="1008150" cy="1168614"/>
           </a:xfrm>
           <a:prstGeom prst="rect">
@@ -3540,7 +3545,7 @@
         </p:blipFill>
         <p:spPr>
           <a:xfrm>
-            <a:off x="10564437" y="4380521"/>
+            <a:off x="9406427" y="4516197"/>
             <a:ext cx="1505458" cy="810360"/>
           </a:xfrm>
           <a:prstGeom prst="rect">
@@ -3579,7 +3584,7 @@
         </p:blipFill>
         <p:spPr>
           <a:xfrm>
-            <a:off x="9368222" y="3481140"/>
+            <a:off x="9406427" y="3758073"/>
             <a:ext cx="2634018" cy="632164"/>
           </a:xfrm>
           <a:prstGeom prst="rect">
@@ -3615,7 +3620,7 @@
         </p:blipFill>
         <p:spPr>
           <a:xfrm>
-            <a:off x="10414927" y="1774499"/>
+            <a:off x="10367681" y="2051238"/>
             <a:ext cx="1891449" cy="1891449"/>
           </a:xfrm>
           <a:prstGeom prst="rect">
@@ -3651,7 +3656,7 @@
         </p:blipFill>
         <p:spPr>
           <a:xfrm>
-            <a:off x="9256681" y="1989482"/>
+            <a:off x="9211090" y="2319362"/>
             <a:ext cx="1311890" cy="1311890"/>
           </a:xfrm>
           <a:prstGeom prst="rect">
@@ -3661,10 +3666,46 @@
       </p:pic>
       <p:pic>
         <p:nvPicPr>
-          <p:cNvPr id="15" name="Picture 14">
+          <p:cNvPr id="20" name="Content Placeholder 5">
             <a:extLst>
               <a:ext uri="{FF2B5EF4-FFF2-40B4-BE49-F238E27FC236}">
-                <a16:creationId xmlns:a16="http://schemas.microsoft.com/office/drawing/2014/main" id="{842DA31A-6B03-4255-8A91-38A87B4B24AF}"/>
+                <a16:creationId xmlns:a16="http://schemas.microsoft.com/office/drawing/2014/main" id="{8D0FAB55-6321-4840-B8F5-89B14E727767}"/>
+              </a:ext>
+            </a:extLst>
+          </p:cNvPr>
+          <p:cNvPicPr>
+            <a:picLocks noChangeAspect="1"/>
+          </p:cNvPicPr>
+          <p:nvPr/>
+        </p:nvPicPr>
+        <p:blipFill rotWithShape="1">
+          <a:blip r:embed="rId9">
+            <a:biLevel thresh="75000"/>
+            <a:extLst>
+              <a:ext uri="{28A0092B-C50C-407E-A947-70E740481C1C}">
+                <a14:useLocalDpi xmlns:a14="http://schemas.microsoft.com/office/drawing/2010/main" val="0"/>
+              </a:ext>
+            </a:extLst>
+          </a:blip>
+          <a:srcRect l="30730" t="82538" r="27525"/>
+          <a:stretch/>
+        </p:blipFill>
+        <p:spPr>
+          <a:xfrm>
+            <a:off x="9583700" y="5341628"/>
+            <a:ext cx="1392762" cy="633748"/>
+          </a:xfrm>
+          <a:prstGeom prst="rect">
+            <a:avLst/>
+          </a:prstGeom>
+        </p:spPr>
+      </p:pic>
+      <p:pic>
+        <p:nvPicPr>
+          <p:cNvPr id="31" name="Picture 30">
+            <a:extLst>
+              <a:ext uri="{FF2B5EF4-FFF2-40B4-BE49-F238E27FC236}">
+                <a16:creationId xmlns:a16="http://schemas.microsoft.com/office/drawing/2014/main" id="{3550CCCF-AAEA-4743-BDCD-FA9F32A78934}"/>
               </a:ext>
             </a:extLst>
           </p:cNvPr>
@@ -3674,7 +3715,7 @@
           <p:nvPr/>
         </p:nvPicPr>
         <p:blipFill>
-          <a:blip r:embed="rId9">
+          <a:blip r:embed="rId10">
             <a:extLst>
               <a:ext uri="{28A0092B-C50C-407E-A947-70E740481C1C}">
                 <a14:useLocalDpi xmlns:a14="http://schemas.microsoft.com/office/drawing/2010/main" val="0"/>
@@ -3687,8 +3728,8 @@
         </p:blipFill>
         <p:spPr>
           <a:xfrm>
-            <a:off x="8177034" y="832476"/>
-            <a:ext cx="918791" cy="918791"/>
+            <a:off x="151767" y="79058"/>
+            <a:ext cx="555291" cy="555291"/>
           </a:xfrm>
           <a:prstGeom prst="rect">
             <a:avLst/>
@@ -3697,46 +3738,10 @@
       </p:pic>
       <p:pic>
         <p:nvPicPr>
-          <p:cNvPr id="20" name="Content Placeholder 5">
+          <p:cNvPr id="8" name="Picture 7">
             <a:extLst>
               <a:ext uri="{FF2B5EF4-FFF2-40B4-BE49-F238E27FC236}">
-                <a16:creationId xmlns:a16="http://schemas.microsoft.com/office/drawing/2014/main" id="{8D0FAB55-6321-4840-B8F5-89B14E727767}"/>
-              </a:ext>
-            </a:extLst>
-          </p:cNvPr>
-          <p:cNvPicPr>
-            <a:picLocks noChangeAspect="1"/>
-          </p:cNvPicPr>
-          <p:nvPr/>
-        </p:nvPicPr>
-        <p:blipFill rotWithShape="1">
-          <a:blip r:embed="rId10">
-            <a:biLevel thresh="75000"/>
-            <a:extLst>
-              <a:ext uri="{28A0092B-C50C-407E-A947-70E740481C1C}">
-                <a14:useLocalDpi xmlns:a14="http://schemas.microsoft.com/office/drawing/2010/main" val="0"/>
-              </a:ext>
-            </a:extLst>
-          </a:blip>
-          <a:srcRect l="30730" t="82538" r="27525"/>
-          <a:stretch/>
-        </p:blipFill>
-        <p:spPr>
-          <a:xfrm>
-            <a:off x="10609478" y="5420787"/>
-            <a:ext cx="1392762" cy="633748"/>
-          </a:xfrm>
-          <a:prstGeom prst="rect">
-            <a:avLst/>
-          </a:prstGeom>
-        </p:spPr>
-      </p:pic>
-      <p:pic>
-        <p:nvPicPr>
-          <p:cNvPr id="22" name="Picture 21">
-            <a:extLst>
-              <a:ext uri="{FF2B5EF4-FFF2-40B4-BE49-F238E27FC236}">
-                <a16:creationId xmlns:a16="http://schemas.microsoft.com/office/drawing/2014/main" id="{C64C20B4-082B-4AB0-8246-63BDD0FF9489}"/>
+                <a16:creationId xmlns:a16="http://schemas.microsoft.com/office/drawing/2014/main" id="{A2C8AA2F-EF7E-4575-8E03-FD3087D34FE0}"/>
               </a:ext>
             </a:extLst>
           </p:cNvPr>
@@ -3759,8 +3764,8 @@
         </p:blipFill>
         <p:spPr>
           <a:xfrm>
-            <a:off x="9496136" y="4442191"/>
-            <a:ext cx="918791" cy="1131644"/>
+            <a:off x="10976462" y="4766508"/>
+            <a:ext cx="1212162" cy="1212162"/>
           </a:xfrm>
           <a:prstGeom prst="rect">
             <a:avLst/>
@@ -4961,7 +4966,7 @@
                   </a:schemeClr>
                 </a:solidFill>
               </a:rPr>
-              <a:t>Task: Implement super basic Linear Regression using sklearn, also draw a graph!</a:t>
+              <a:t>Task: Implement two Linear Regression programs.</a:t>
             </a:r>
           </a:p>
         </p:txBody>
@@ -5019,21 +5024,7 @@
           <a:p>
             <a:r>
               <a:rPr lang="en-US" dirty="0"/>
-              <a:t>What are OpenCV </a:t>
-            </a:r>
-            <a:br>
-              <a:rPr lang="en-US" dirty="0"/>
-            </a:br>
-            <a:r>
-              <a:rPr lang="en-US" dirty="0"/>
-              <a:t>&amp; </a:t>
-            </a:r>
-            <a:br>
-              <a:rPr lang="en-US" dirty="0"/>
-            </a:br>
-            <a:r>
-              <a:rPr lang="en-US" dirty="0"/>
-              <a:t>NLTK</a:t>
+              <a:t>What are NLTK and TensorFlow?</a:t>
             </a:r>
           </a:p>
         </p:txBody>
@@ -5057,7 +5048,7 @@
         <p:spPr>
           <a:xfrm>
             <a:off x="3719143" y="898827"/>
-            <a:ext cx="7315200" cy="5160779"/>
+            <a:ext cx="6271018" cy="5160779"/>
           </a:xfrm>
         </p:spPr>
         <p:txBody>
@@ -5066,27 +5057,18 @@
           <a:p>
             <a:r>
               <a:rPr lang="en-US" b="1" dirty="0"/>
-              <a:t>OpenCV </a:t>
+              <a:t>TensorFlow </a:t>
             </a:r>
             <a:r>
               <a:rPr lang="en-US" dirty="0"/>
-              <a:t>stands for Open Source Computer Vision. Another de-facto library aimed for real-time vision based functions. </a:t>
-            </a:r>
-          </a:p>
-          <a:p>
-            <a:endParaRPr lang="en-US" b="1" dirty="0"/>
-          </a:p>
-          <a:p>
-            <a:endParaRPr lang="en-US" b="1" dirty="0"/>
-          </a:p>
-          <a:p>
-            <a:endParaRPr lang="en-US" b="1" dirty="0"/>
-          </a:p>
-          <a:p>
-            <a:endParaRPr lang="en-US" b="1" dirty="0"/>
-          </a:p>
-          <a:p>
-            <a:endParaRPr lang="en-US" b="1" dirty="0"/>
+              <a:t>is a scientific library or a Deep Learning library by Google. Being more specific a math library built for dataflow and differential programming.</a:t>
+            </a:r>
+          </a:p>
+          <a:p>
+            <a:endParaRPr lang="en-US" dirty="0"/>
+          </a:p>
+          <a:p>
+            <a:endParaRPr lang="en-US" dirty="0"/>
           </a:p>
           <a:p>
             <a:r>
@@ -5129,20 +5111,61 @@
         </p:blipFill>
         <p:spPr>
           <a:xfrm>
-            <a:off x="9205710" y="5190957"/>
-            <a:ext cx="2347375" cy="1068125"/>
+            <a:off x="9669300" y="4793276"/>
+            <a:ext cx="2031677" cy="924473"/>
           </a:xfrm>
           <a:prstGeom prst="rect">
             <a:avLst/>
           </a:prstGeom>
         </p:spPr>
       </p:pic>
+      <p:sp>
+        <p:nvSpPr>
+          <p:cNvPr id="8" name="TextBox 7">
+            <a:extLst>
+              <a:ext uri="{FF2B5EF4-FFF2-40B4-BE49-F238E27FC236}">
+                <a16:creationId xmlns:a16="http://schemas.microsoft.com/office/drawing/2014/main" id="{C049489A-9C36-412A-91AE-8FBF0143622E}"/>
+              </a:ext>
+            </a:extLst>
+          </p:cNvPr>
+          <p:cNvSpPr txBox="1"/>
+          <p:nvPr/>
+        </p:nvSpPr>
+        <p:spPr>
+          <a:xfrm>
+            <a:off x="252919" y="6300365"/>
+            <a:ext cx="8918376" cy="369332"/>
+          </a:xfrm>
+          <a:prstGeom prst="rect">
+            <a:avLst/>
+          </a:prstGeom>
+          <a:noFill/>
+        </p:spPr>
+        <p:txBody>
+          <a:bodyPr wrap="square" rtlCol="0">
+            <a:spAutoFit/>
+          </a:bodyPr>
+          <a:lstStyle/>
+          <a:p>
+            <a:r>
+              <a:rPr lang="en-US" dirty="0">
+                <a:solidFill>
+                  <a:schemeClr val="tx2">
+                    <a:lumMod val="50000"/>
+                  </a:schemeClr>
+                </a:solidFill>
+              </a:rPr>
+              <a:t>Task: Two micro projects using NLTK and TensorFlow.</a:t>
+            </a:r>
+          </a:p>
+        </p:txBody>
+      </p:sp>
       <p:pic>
         <p:nvPicPr>
-          <p:cNvPr id="5" name="Picture 4">
+          <p:cNvPr id="9" name="Picture 8">
             <a:extLst>
               <a:ext uri="{FF2B5EF4-FFF2-40B4-BE49-F238E27FC236}">
-                <a16:creationId xmlns:a16="http://schemas.microsoft.com/office/drawing/2014/main" id="{584E5B8E-4ACF-477E-BF2B-127A065345F7}"/>
+                <a16:creationId xmlns:a16="http://schemas.microsoft.com/office/drawing/2014/main" id="{DEF87E83-AB78-42ED-84EC-822142E81E3A}"/>
               </a:ext>
             </a:extLst>
           </p:cNvPr>
@@ -5165,55 +5188,14 @@
         </p:blipFill>
         <p:spPr>
           <a:xfrm>
-            <a:off x="9641581" y="2187183"/>
-            <a:ext cx="1392762" cy="1715418"/>
+            <a:off x="9728736" y="798394"/>
+            <a:ext cx="1651380" cy="1651380"/>
           </a:xfrm>
           <a:prstGeom prst="rect">
             <a:avLst/>
           </a:prstGeom>
         </p:spPr>
       </p:pic>
-      <p:sp>
-        <p:nvSpPr>
-          <p:cNvPr id="8" name="TextBox 7">
-            <a:extLst>
-              <a:ext uri="{FF2B5EF4-FFF2-40B4-BE49-F238E27FC236}">
-                <a16:creationId xmlns:a16="http://schemas.microsoft.com/office/drawing/2014/main" id="{C049489A-9C36-412A-91AE-8FBF0143622E}"/>
-              </a:ext>
-            </a:extLst>
-          </p:cNvPr>
-          <p:cNvSpPr txBox="1"/>
-          <p:nvPr/>
-        </p:nvSpPr>
-        <p:spPr>
-          <a:xfrm>
-            <a:off x="252919" y="6300365"/>
-            <a:ext cx="8918376" cy="369332"/>
-          </a:xfrm>
-          <a:prstGeom prst="rect">
-            <a:avLst/>
-          </a:prstGeom>
-          <a:noFill/>
-        </p:spPr>
-        <p:txBody>
-          <a:bodyPr wrap="square" rtlCol="0">
-            <a:spAutoFit/>
-          </a:bodyPr>
-          <a:lstStyle/>
-          <a:p>
-            <a:r>
-              <a:rPr lang="en-US" dirty="0">
-                <a:solidFill>
-                  <a:schemeClr val="tx2">
-                    <a:lumMod val="50000"/>
-                  </a:schemeClr>
-                </a:solidFill>
-              </a:rPr>
-              <a:t>Task: Two micro projects using Scikit-Learn, OpenCV and NLTK.</a:t>
-            </a:r>
-          </a:p>
-        </p:txBody>
-      </p:sp>
     </p:spTree>
     <p:extLst>
       <p:ext uri="{BB962C8B-B14F-4D97-AF65-F5344CB8AC3E}">
@@ -5267,7 +5249,7 @@
           <a:p>
             <a:r>
               <a:rPr lang="en-US" dirty="0"/>
-              <a:t>Projects / Programs we completed</a:t>
+              <a:t>Projects or Programs we completed</a:t>
             </a:r>
           </a:p>
         </p:txBody>
@@ -5339,7 +5321,7 @@
           <a:p>
             <a:r>
               <a:rPr lang="en-US" b="1" dirty="0"/>
-              <a:t>Digit Recognition using OpenCV and sklearn</a:t>
+              <a:t>Dog vs Cat using TensorFlow</a:t>
             </a:r>
           </a:p>
         </p:txBody>
